--- a/TileFormats/Instanced3DModel/figures/header-layout.pptx
+++ b/TileFormats/Instanced3DModel/figures/header-layout.pptx
@@ -3222,10 +3222,6 @@
               </a:rPr>
               <a:t>magic</a:t>
             </a:r>
-            <a:endParaRPr lang="en-US" sz="1000" dirty="0" smtClean="0">
-              <a:latin typeface="Courier New"/>
-              <a:cs typeface="Courier New"/>
-            </a:endParaRPr>
           </a:p>
           <a:p>
             <a:pPr algn="ctr"/>
@@ -3295,10 +3291,6 @@
               </a:rPr>
               <a:t>version</a:t>
             </a:r>
-            <a:endParaRPr lang="en-US" sz="1000" dirty="0" smtClean="0">
-              <a:latin typeface="Courier New"/>
-              <a:cs typeface="Courier New"/>
-            </a:endParaRPr>
           </a:p>
           <a:p>
             <a:pPr algn="ctr"/>
@@ -3543,14 +3535,7 @@
                 <a:latin typeface="Courier New"/>
                 <a:cs typeface="Courier New"/>
               </a:rPr>
-              <a:t>36</a:t>
-            </a:r>
-            <a:r>
-              <a:rPr lang="en-US" sz="1000" dirty="0" smtClean="0">
-                <a:latin typeface="Courier New"/>
-                <a:cs typeface="Courier New"/>
-              </a:rPr>
-              <a:t>-byte header (first 20 bytes)</a:t>
+              <a:t>36-byte header (first 20 bytes)</a:t>
             </a:r>
             <a:endParaRPr lang="en-US" sz="1000" dirty="0">
               <a:latin typeface="Courier New"/>
@@ -3881,7 +3866,7 @@
         </p:nvSpPr>
         <p:spPr>
           <a:xfrm>
-            <a:off x="5632299" y="1862283"/>
+            <a:off x="5632299" y="1858875"/>
             <a:ext cx="954107" cy="400110"/>
           </a:xfrm>
           <a:prstGeom prst="rect">
@@ -4189,14 +4174,7 @@
                 <a:latin typeface="Courier New"/>
                 <a:cs typeface="Courier New"/>
               </a:rPr>
-              <a:t>36</a:t>
-            </a:r>
-            <a:r>
-              <a:rPr lang="en-US" sz="1000" dirty="0" smtClean="0">
-                <a:latin typeface="Courier New"/>
-                <a:cs typeface="Courier New"/>
-              </a:rPr>
-              <a:t>-byte header (next 16 bytes)</a:t>
+              <a:t>36-byte header (next 16 bytes)</a:t>
             </a:r>
             <a:endParaRPr lang="en-US" sz="1000" dirty="0">
               <a:latin typeface="Courier New"/>
@@ -4365,7 +4343,7 @@
         </p:nvSpPr>
         <p:spPr>
           <a:xfrm>
-            <a:off x="6559741" y="1911349"/>
+            <a:off x="6559741" y="1907941"/>
             <a:ext cx="269625" cy="430887"/>
           </a:xfrm>
           <a:prstGeom prst="rect">

--- a/TileFormats/Instanced3DModel/figures/header-layout.pptx
+++ b/TileFormats/Instanced3DModel/figures/header-layout.pptx
@@ -304,7 +304,7 @@
           <a:p>
             <a:fld id="{E44376AC-B3C2-8643-B9A3-A6905164CDF3}" type="datetimeFigureOut">
               <a:rPr lang="en-US" smtClean="0"/>
-              <a:t>8/18/2016</a:t>
+              <a:t>8/23/2016</a:t>
             </a:fld>
             <a:endParaRPr lang="en-US"/>
           </a:p>
@@ -474,7 +474,7 @@
           <a:p>
             <a:fld id="{E44376AC-B3C2-8643-B9A3-A6905164CDF3}" type="datetimeFigureOut">
               <a:rPr lang="en-US" smtClean="0"/>
-              <a:t>8/18/2016</a:t>
+              <a:t>8/23/2016</a:t>
             </a:fld>
             <a:endParaRPr lang="en-US"/>
           </a:p>
@@ -654,7 +654,7 @@
           <a:p>
             <a:fld id="{E44376AC-B3C2-8643-B9A3-A6905164CDF3}" type="datetimeFigureOut">
               <a:rPr lang="en-US" smtClean="0"/>
-              <a:t>8/18/2016</a:t>
+              <a:t>8/23/2016</a:t>
             </a:fld>
             <a:endParaRPr lang="en-US"/>
           </a:p>
@@ -824,7 +824,7 @@
           <a:p>
             <a:fld id="{E44376AC-B3C2-8643-B9A3-A6905164CDF3}" type="datetimeFigureOut">
               <a:rPr lang="en-US" smtClean="0"/>
-              <a:t>8/18/2016</a:t>
+              <a:t>8/23/2016</a:t>
             </a:fld>
             <a:endParaRPr lang="en-US"/>
           </a:p>
@@ -1070,7 +1070,7 @@
           <a:p>
             <a:fld id="{E44376AC-B3C2-8643-B9A3-A6905164CDF3}" type="datetimeFigureOut">
               <a:rPr lang="en-US" smtClean="0"/>
-              <a:t>8/18/2016</a:t>
+              <a:t>8/23/2016</a:t>
             </a:fld>
             <a:endParaRPr lang="en-US"/>
           </a:p>
@@ -1358,7 +1358,7 @@
           <a:p>
             <a:fld id="{E44376AC-B3C2-8643-B9A3-A6905164CDF3}" type="datetimeFigureOut">
               <a:rPr lang="en-US" smtClean="0"/>
-              <a:t>8/18/2016</a:t>
+              <a:t>8/23/2016</a:t>
             </a:fld>
             <a:endParaRPr lang="en-US"/>
           </a:p>
@@ -1780,7 +1780,7 @@
           <a:p>
             <a:fld id="{E44376AC-B3C2-8643-B9A3-A6905164CDF3}" type="datetimeFigureOut">
               <a:rPr lang="en-US" smtClean="0"/>
-              <a:t>8/18/2016</a:t>
+              <a:t>8/23/2016</a:t>
             </a:fld>
             <a:endParaRPr lang="en-US"/>
           </a:p>
@@ -1898,7 +1898,7 @@
           <a:p>
             <a:fld id="{E44376AC-B3C2-8643-B9A3-A6905164CDF3}" type="datetimeFigureOut">
               <a:rPr lang="en-US" smtClean="0"/>
-              <a:t>8/18/2016</a:t>
+              <a:t>8/23/2016</a:t>
             </a:fld>
             <a:endParaRPr lang="en-US"/>
           </a:p>
@@ -1993,7 +1993,7 @@
           <a:p>
             <a:fld id="{E44376AC-B3C2-8643-B9A3-A6905164CDF3}" type="datetimeFigureOut">
               <a:rPr lang="en-US" smtClean="0"/>
-              <a:t>8/18/2016</a:t>
+              <a:t>8/23/2016</a:t>
             </a:fld>
             <a:endParaRPr lang="en-US"/>
           </a:p>
@@ -2270,7 +2270,7 @@
           <a:p>
             <a:fld id="{E44376AC-B3C2-8643-B9A3-A6905164CDF3}" type="datetimeFigureOut">
               <a:rPr lang="en-US" smtClean="0"/>
-              <a:t>8/18/2016</a:t>
+              <a:t>8/23/2016</a:t>
             </a:fld>
             <a:endParaRPr lang="en-US"/>
           </a:p>
@@ -2523,7 +2523,7 @@
           <a:p>
             <a:fld id="{E44376AC-B3C2-8643-B9A3-A6905164CDF3}" type="datetimeFigureOut">
               <a:rPr lang="en-US" smtClean="0"/>
-              <a:t>8/18/2016</a:t>
+              <a:t>8/23/2016</a:t>
             </a:fld>
             <a:endParaRPr lang="en-US"/>
           </a:p>
@@ -2736,7 +2736,7 @@
           <a:p>
             <a:fld id="{E44376AC-B3C2-8643-B9A3-A6905164CDF3}" type="datetimeFigureOut">
               <a:rPr lang="en-US" smtClean="0"/>
-              <a:t>8/18/2016</a:t>
+              <a:t>8/23/2016</a:t>
             </a:fld>
             <a:endParaRPr lang="en-US"/>
           </a:p>
@@ -3120,7 +3120,7 @@
         <p:spPr>
           <a:xfrm>
             <a:off x="4293471" y="1858875"/>
-            <a:ext cx="1338828" cy="400110"/>
+            <a:ext cx="954108" cy="400110"/>
           </a:xfrm>
           <a:prstGeom prst="rect">
             <a:avLst/>
@@ -3144,7 +3144,7 @@
                 <a:latin typeface="Courier New"/>
                 <a:cs typeface="Courier New"/>
               </a:rPr>
-              <a:t>instancesLength</a:t>
+              <a:t>gltfFormat</a:t>
             </a:r>
             <a:endParaRPr lang="en-US" sz="1000" dirty="0" smtClean="0">
               <a:latin typeface="Courier New"/>
@@ -3535,7 +3535,14 @@
                 <a:latin typeface="Courier New"/>
                 <a:cs typeface="Courier New"/>
               </a:rPr>
-              <a:t>36-byte header (first 20 bytes)</a:t>
+              <a:t>32-byte </a:t>
+            </a:r>
+            <a:r>
+              <a:rPr lang="en-US" sz="1000" dirty="0" smtClean="0">
+                <a:latin typeface="Courier New"/>
+                <a:cs typeface="Courier New"/>
+              </a:rPr>
+              <a:t>header (first 20 bytes)</a:t>
             </a:r>
             <a:endParaRPr lang="en-US" sz="1000" dirty="0">
               <a:latin typeface="Courier New"/>
@@ -3860,89 +3867,13 @@
       </p:sp>
       <p:sp>
         <p:nvSpPr>
-          <p:cNvPr id="16" name="TextBox 15"/>
-          <p:cNvSpPr txBox="1"/>
-          <p:nvPr/>
-        </p:nvSpPr>
-        <p:spPr>
-          <a:xfrm>
-            <a:off x="5632299" y="1858875"/>
-            <a:ext cx="954107" cy="400110"/>
-          </a:xfrm>
-          <a:prstGeom prst="rect">
-            <a:avLst/>
-          </a:prstGeom>
-          <a:noFill/>
-          <a:ln w="12700" cmpd="sng">
-            <a:solidFill>
-              <a:schemeClr val="tx1"/>
-            </a:solidFill>
-          </a:ln>
-        </p:spPr>
-        <p:txBody>
-          <a:bodyPr wrap="none" rtlCol="0">
-            <a:spAutoFit/>
-          </a:bodyPr>
-          <a:lstStyle/>
-          <a:p>
-            <a:pPr algn="ctr"/>
-            <a:r>
-              <a:rPr lang="en-US" sz="1000" dirty="0" err="1" smtClean="0">
-                <a:latin typeface="Courier New"/>
-                <a:cs typeface="Courier New"/>
-              </a:rPr>
-              <a:t>gltfFormat</a:t>
-            </a:r>
-            <a:endParaRPr lang="en-US" sz="1000" dirty="0" smtClean="0">
-              <a:latin typeface="Courier New"/>
-              <a:cs typeface="Courier New"/>
-            </a:endParaRPr>
-          </a:p>
-          <a:p>
-            <a:pPr algn="ctr"/>
-            <a:r>
-              <a:rPr lang="en-US" sz="1000" dirty="0" smtClean="0">
-                <a:latin typeface="Courier New"/>
-                <a:cs typeface="Courier New"/>
-              </a:rPr>
-              <a:t>(</a:t>
-            </a:r>
-            <a:r>
-              <a:rPr lang="en-US" sz="1000" dirty="0" smtClean="0">
-                <a:solidFill>
-                  <a:schemeClr val="tx2">
-                    <a:lumMod val="60000"/>
-                    <a:lumOff val="40000"/>
-                  </a:schemeClr>
-                </a:solidFill>
-                <a:latin typeface="Courier New"/>
-                <a:cs typeface="Courier New"/>
-              </a:rPr>
-              <a:t>uint32</a:t>
-            </a:r>
-            <a:r>
-              <a:rPr lang="en-US" sz="1000" dirty="0" smtClean="0">
-                <a:latin typeface="Courier New"/>
-                <a:cs typeface="Courier New"/>
-              </a:rPr>
-              <a:t>)</a:t>
-            </a:r>
-            <a:endParaRPr lang="en-US" sz="1000" dirty="0">
-              <a:latin typeface="Courier New"/>
-              <a:cs typeface="Courier New"/>
-            </a:endParaRPr>
-          </a:p>
-        </p:txBody>
-      </p:sp>
-      <p:sp>
-        <p:nvSpPr>
           <p:cNvPr id="20" name="TextBox 19"/>
           <p:cNvSpPr txBox="1"/>
           <p:nvPr/>
         </p:nvSpPr>
         <p:spPr>
           <a:xfrm>
-            <a:off x="7862064" y="699933"/>
+            <a:off x="7928037" y="686138"/>
             <a:ext cx="269625" cy="430887"/>
           </a:xfrm>
           <a:prstGeom prst="rect">
@@ -4114,7 +4045,7 @@
         <p:spPr>
           <a:xfrm>
             <a:off x="67190" y="1540274"/>
-            <a:ext cx="6519216" cy="0"/>
+            <a:ext cx="5237935" cy="0"/>
           </a:xfrm>
           <a:prstGeom prst="straightConnector1">
             <a:avLst/>
@@ -4150,7 +4081,7 @@
         </p:nvSpPr>
         <p:spPr>
           <a:xfrm>
-            <a:off x="2157224" y="1277291"/>
+            <a:off x="1439661" y="1287261"/>
             <a:ext cx="2492991" cy="246221"/>
           </a:xfrm>
           <a:prstGeom prst="rect">
@@ -4174,7 +4105,28 @@
                 <a:latin typeface="Courier New"/>
                 <a:cs typeface="Courier New"/>
               </a:rPr>
-              <a:t>36-byte header (next 16 bytes)</a:t>
+              <a:t>32-byte </a:t>
+            </a:r>
+            <a:r>
+              <a:rPr lang="en-US" sz="1000" dirty="0" smtClean="0">
+                <a:latin typeface="Courier New"/>
+                <a:cs typeface="Courier New"/>
+              </a:rPr>
+              <a:t>header (next </a:t>
+            </a:r>
+            <a:r>
+              <a:rPr lang="en-US" sz="1000" dirty="0" smtClean="0">
+                <a:latin typeface="Courier New"/>
+                <a:cs typeface="Courier New"/>
+              </a:rPr>
+              <a:t>12 </a:t>
+            </a:r>
+            <a:r>
+              <a:rPr lang="en-US" sz="1000" dirty="0" smtClean="0">
+                <a:latin typeface="Courier New"/>
+                <a:cs typeface="Courier New"/>
+              </a:rPr>
+              <a:t>bytes)</a:t>
             </a:r>
             <a:endParaRPr lang="en-US" sz="1000" dirty="0">
               <a:latin typeface="Courier New"/>
@@ -4343,7 +4295,7 @@
         </p:nvSpPr>
         <p:spPr>
           <a:xfrm>
-            <a:off x="6559741" y="1907941"/>
+            <a:off x="5247579" y="1871131"/>
             <a:ext cx="269625" cy="430887"/>
           </a:xfrm>
           <a:prstGeom prst="rect">
